--- a/Documentations/REVIEW-1.pptx
+++ b/Documentations/REVIEW-1.pptx
@@ -261,7 +261,7 @@
       </p15:sldGuideLst>
     </p:ext>
     <p:ext uri="GoogleSlidesCustomDataVersion2">
-      <go:slidesCustomData xmlns="" xmlns:mc="http://schemas.openxmlformats.org/markup-compatibility/2006" xmlns:mv="urn:schemas-microsoft-com:mac:vml" xmlns:c="http://schemas.openxmlformats.org/drawingml/2006/chart" xmlns:dgm="http://schemas.openxmlformats.org/drawingml/2006/diagram" xmlns:o="urn:schemas-microsoft-com:office:office" xmlns:v="urn:schemas-microsoft-com:vml" xmlns:pvml="urn:schemas-microsoft-com:office:powerpoint" xmlns:com="http://schemas.openxmlformats.org/drawingml/2006/compatibility" xmlns:p14="http://schemas.microsoft.com/office/powerpoint/2010/main" xmlns:p15="http://schemas.microsoft.com/office/powerpoint/2012/main" xmlns:ahyp="http://schemas.microsoft.com/office/drawing/2018/hyperlinkcolor" xmlns:go="http://customooxmlschemas.google.com/" r:id="rId12" roundtripDataSignature="AMtx7miRSxR/vmHocVckoiUt+tNyn2NrGA=="/>
+      <go:slidesCustomData xmlns:go="http://customooxmlschemas.google.com/" xmlns:ahyp="http://schemas.microsoft.com/office/drawing/2018/hyperlinkcolor" xmlns:p15="http://schemas.microsoft.com/office/powerpoint/2012/main" xmlns:p14="http://schemas.microsoft.com/office/powerpoint/2010/main" xmlns:com="http://schemas.openxmlformats.org/drawingml/2006/compatibility" xmlns:pvml="urn:schemas-microsoft-com:office:powerpoint" xmlns:v="urn:schemas-microsoft-com:vml" xmlns:o="urn:schemas-microsoft-com:office:office" xmlns:dgm="http://schemas.openxmlformats.org/drawingml/2006/diagram" xmlns:c="http://schemas.openxmlformats.org/drawingml/2006/chart" xmlns:mv="urn:schemas-microsoft-com:mac:vml" xmlns:mc="http://schemas.openxmlformats.org/markup-compatibility/2006" xmlns="" r:id="rId12" roundtripDataSignature="AMtx7miRSxR/vmHocVckoiUt+tNyn2NrGA=="/>
     </p:ext>
   </p:extLst>
 </p:presentation>
@@ -12163,14 +12163,14 @@
           <p:nvPr>
             <p:extLst>
               <p:ext uri="{D42A27DB-BD31-4B8C-83A1-F6EECF244321}">
-                <p14:modId xmlns:p14="http://schemas.microsoft.com/office/powerpoint/2010/main" val="2091204722"/>
+                <p14:modId xmlns:p14="http://schemas.microsoft.com/office/powerpoint/2010/main" val="3547657976"/>
               </p:ext>
             </p:extLst>
           </p:nvPr>
         </p:nvGraphicFramePr>
         <p:xfrm>
           <a:off x="457200" y="4489439"/>
-          <a:ext cx="8305800" cy="2060595"/>
+          <a:ext cx="8305800" cy="1581923"/>
         </p:xfrm>
         <a:graphic>
           <a:graphicData uri="http://schemas.openxmlformats.org/drawingml/2006/table">
@@ -12195,7 +12195,7 @@
                   </a:extLst>
                 </a:gridCol>
               </a:tblGrid>
-              <a:tr h="312275">
+              <a:tr h="319288">
                 <a:tc>
                   <a:txBody>
                     <a:bodyPr/>
@@ -12256,7 +12256,7 @@
                   </a:ext>
                 </a:extLst>
               </a:tr>
-              <a:tr h="1393200">
+              <a:tr h="1216153">
                 <a:tc>
                   <a:txBody>
                     <a:bodyPr/>
@@ -12276,60 +12276,8 @@
                       </a:pPr>
                       <a:r>
                         <a:rPr lang="en-US" sz="1800" dirty="0"/>
-                        <a:t>P KIRAN             :RA2311003020532</a:t>
-                      </a:r>
-                    </a:p>
-                    <a:p>
-                      <a:pPr marL="0" marR="0" lvl="0" indent="0" algn="l" rtl="0">
-                        <a:lnSpc>
-                          <a:spcPct val="150000"/>
-                        </a:lnSpc>
-                        <a:spcBef>
-                          <a:spcPts val="0"/>
-                        </a:spcBef>
-                        <a:spcAft>
-                          <a:spcPts val="0"/>
-                        </a:spcAft>
-                        <a:buNone/>
-                      </a:pPr>
-                      <a:r>
-                        <a:rPr lang="en-US" sz="1800" dirty="0"/>
                         <a:t>S SUJAN             :RA2311003020537</a:t>
                       </a:r>
-                    </a:p>
-                    <a:p>
-                      <a:pPr marL="0" marR="0" lvl="0" indent="0" algn="l" rtl="0">
-                        <a:lnSpc>
-                          <a:spcPct val="150000"/>
-                        </a:lnSpc>
-                        <a:spcBef>
-                          <a:spcPts val="0"/>
-                        </a:spcBef>
-                        <a:spcAft>
-                          <a:spcPts val="0"/>
-                        </a:spcAft>
-                        <a:buNone/>
-                      </a:pPr>
-                      <a:r>
-                        <a:rPr lang="en-US" sz="1800" dirty="0"/>
-                        <a:t>S MUNI AJEY     :RA2311003020541</a:t>
-                      </a:r>
-                      <a:endParaRPr dirty="0"/>
-                    </a:p>
-                    <a:p>
-                      <a:pPr marL="0" marR="0" lvl="0" indent="0" algn="l" rtl="0">
-                        <a:lnSpc>
-                          <a:spcPct val="150000"/>
-                        </a:lnSpc>
-                        <a:spcBef>
-                          <a:spcPts val="0"/>
-                        </a:spcBef>
-                        <a:spcAft>
-                          <a:spcPts val="0"/>
-                        </a:spcAft>
-                        <a:buNone/>
-                      </a:pPr>
-                      <a:endParaRPr sz="1800" dirty="0"/>
                     </a:p>
                   </a:txBody>
                   <a:tcPr marL="91450" marR="91450" marT="45725" marB="45725"/>
@@ -12456,7 +12404,7 @@
         <p14:vortex dir="r"/>
       </p:transition>
     </mc:Choice>
-    <mc:Fallback xmlns="" xmlns:mv="urn:schemas-microsoft-com:mac:vml" xmlns:c="http://schemas.openxmlformats.org/drawingml/2006/chart" xmlns:dgm="http://schemas.openxmlformats.org/drawingml/2006/diagram" xmlns:o="urn:schemas-microsoft-com:office:office" xmlns:v="urn:schemas-microsoft-com:vml" xmlns:pvml="urn:schemas-microsoft-com:office:powerpoint" xmlns:com="http://schemas.openxmlformats.org/drawingml/2006/compatibility" xmlns:p15="http://schemas.microsoft.com/office/powerpoint/2012/main" xmlns:ahyp="http://schemas.microsoft.com/office/drawing/2018/hyperlinkcolor">
+    <mc:Fallback xmlns:ahyp="http://schemas.microsoft.com/office/drawing/2018/hyperlinkcolor" xmlns:p15="http://schemas.microsoft.com/office/powerpoint/2012/main" xmlns:com="http://schemas.openxmlformats.org/drawingml/2006/compatibility" xmlns:pvml="urn:schemas-microsoft-com:office:powerpoint" xmlns:v="urn:schemas-microsoft-com:vml" xmlns:o="urn:schemas-microsoft-com:office:office" xmlns:dgm="http://schemas.openxmlformats.org/drawingml/2006/diagram" xmlns:c="http://schemas.openxmlformats.org/drawingml/2006/chart" xmlns:mv="urn:schemas-microsoft-com:mac:vml" xmlns="">
       <p:transition spd="med">
         <p:fade/>
       </p:transition>
